--- a/FACE RECOGNITION.pptx
+++ b/FACE RECOGNITION.pptx
@@ -4250,7 +4250,7 @@
           <a:p>
             <a:fld id="{C17F2C1D-F243-42AB-ADF2-E7CB4E04900E}" type="datetimeFigureOut">
               <a:rPr lang="en-US" smtClean="0"/>
-              <a:t>5/28/2022</a:t>
+              <a:t>5/29/2022</a:t>
             </a:fld>
             <a:endParaRPr lang="en-US"/>
           </a:p>
@@ -4427,7 +4427,7 @@
           <a:p>
             <a:fld id="{020CE34E-5667-4A32-A6BA-10C7A552BC63}" type="datetimeFigureOut">
               <a:rPr lang="en-US" smtClean="0"/>
-              <a:t>5/28/2022</a:t>
+              <a:t>5/29/2022</a:t>
             </a:fld>
             <a:endParaRPr lang="en-US"/>
           </a:p>
@@ -16952,7 +16952,7 @@
           </p:nvPr>
         </p:nvPicPr>
         <p:blipFill rotWithShape="1">
-          <a:blip r:embed="rId3" cstate="screen">
+          <a:blip r:embed="rId5" cstate="screen">
             <a:extLst>
               <a:ext uri="{28A0092B-C50C-407E-A947-70E740481C1C}">
                 <a14:useLocalDpi xmlns:a14="http://schemas.microsoft.com/office/drawing/2010/main" val="0"/>
@@ -17004,6 +17004,44 @@
           </a:p>
         </p:txBody>
       </p:sp>
+      <p:pic>
+        <p:nvPicPr>
+          <p:cNvPr id="5" name="Audio 4">
+            <a:hlinkClick r:id="" action="ppaction://media"/>
+            <a:extLst>
+              <a:ext uri="{FF2B5EF4-FFF2-40B4-BE49-F238E27FC236}">
+                <a16:creationId xmlns:a16="http://schemas.microsoft.com/office/drawing/2014/main" id="{8E48D3BC-931D-ACE3-7661-E2551B03DCE0}"/>
+              </a:ext>
+            </a:extLst>
+          </p:cNvPr>
+          <p:cNvPicPr>
+            <a:picLocks noChangeAspect="1"/>
+          </p:cNvPicPr>
+          <p:nvPr>
+            <a:audioFile r:link="rId2"/>
+            <p:extLst>
+              <p:ext uri="{DAA4B4D4-6D71-4841-9C94-3DE7FCFB9230}">
+                <p14:media xmlns:p14="http://schemas.microsoft.com/office/powerpoint/2010/main" r:embed="rId1"/>
+              </p:ext>
+            </p:extLst>
+          </p:nvPr>
+        </p:nvPicPr>
+        <p:blipFill>
+          <a:blip r:embed="rId6"/>
+          <a:stretch>
+            <a:fillRect/>
+          </a:stretch>
+        </p:blipFill>
+        <p:spPr>
+          <a:xfrm>
+            <a:off x="11569700" y="6235700"/>
+            <a:ext cx="406400" cy="406400"/>
+          </a:xfrm>
+          <a:prstGeom prst="rect">
+            <a:avLst/>
+          </a:prstGeom>
+        </p:spPr>
+      </p:pic>
     </p:spTree>
     <p:extLst>
       <p:ext uri="{BB962C8B-B14F-4D97-AF65-F5344CB8AC3E}">
@@ -17014,6 +17052,101 @@
   <p:clrMapOvr>
     <a:masterClrMapping/>
   </p:clrMapOvr>
+  <mc:AlternateContent xmlns:mc="http://schemas.openxmlformats.org/markup-compatibility/2006" xmlns:p14="http://schemas.microsoft.com/office/powerpoint/2010/main">
+    <mc:Choice Requires="p14">
+      <p:transition spd="slow" p14:dur="2000" advTm="9895"/>
+    </mc:Choice>
+    <mc:Fallback xmlns="">
+      <p:transition spd="slow" advTm="9895"/>
+    </mc:Fallback>
+  </mc:AlternateContent>
+  <p:timing>
+    <p:tnLst>
+      <p:par>
+        <p:cTn id="1" dur="indefinite" restart="never" nodeType="tmRoot">
+          <p:childTnLst>
+            <p:seq concurrent="1" nextAc="seek">
+              <p:cTn id="2" dur="indefinite" nodeType="mainSeq">
+                <p:childTnLst>
+                  <p:par>
+                    <p:cTn id="3" fill="hold">
+                      <p:stCondLst>
+                        <p:cond delay="indefinite"/>
+                        <p:cond evt="onBegin" delay="0">
+                          <p:tn val="2"/>
+                        </p:cond>
+                      </p:stCondLst>
+                      <p:childTnLst>
+                        <p:par>
+                          <p:cTn id="4" fill="hold">
+                            <p:stCondLst>
+                              <p:cond delay="0"/>
+                            </p:stCondLst>
+                            <p:childTnLst>
+                              <p:par>
+                                <p:cTn id="5" presetID="1" presetClass="mediacall" presetSubtype="0" fill="hold" nodeType="afterEffect">
+                                  <p:stCondLst>
+                                    <p:cond delay="0"/>
+                                  </p:stCondLst>
+                                  <p:childTnLst>
+                                    <p:cmd type="call" cmd="playFrom(0.0)">
+                                      <p:cBhvr>
+                                        <p:cTn id="6" dur="1" fill="hold"/>
+                                        <p:tgtEl>
+                                          <p:spTgt spid="5"/>
+                                        </p:tgtEl>
+                                      </p:cBhvr>
+                                    </p:cmd>
+                                  </p:childTnLst>
+                                </p:cTn>
+                              </p:par>
+                            </p:childTnLst>
+                          </p:cTn>
+                        </p:par>
+                      </p:childTnLst>
+                    </p:cTn>
+                  </p:par>
+                </p:childTnLst>
+              </p:cTn>
+              <p:prevCondLst>
+                <p:cond evt="onPrev" delay="0">
+                  <p:tgtEl>
+                    <p:sldTgt/>
+                  </p:tgtEl>
+                </p:cond>
+              </p:prevCondLst>
+              <p:nextCondLst>
+                <p:cond evt="onNext" delay="0">
+                  <p:tgtEl>
+                    <p:sldTgt/>
+                  </p:tgtEl>
+                </p:cond>
+              </p:nextCondLst>
+            </p:seq>
+            <p:audio isNarration="1">
+              <p:cMediaNode vol="100000" showWhenStopped="0">
+                <p:cTn id="7" fill="hold" display="0">
+                  <p:stCondLst>
+                    <p:cond delay="indefinite"/>
+                  </p:stCondLst>
+                  <p:endCondLst>
+                    <p:cond evt="onStopAudio" delay="0">
+                      <p:tgtEl>
+                        <p:sldTgt/>
+                      </p:tgtEl>
+                    </p:cond>
+                  </p:endCondLst>
+                </p:cTn>
+                <p:tgtEl>
+                  <p:spTgt spid="5"/>
+                </p:tgtEl>
+              </p:cMediaNode>
+            </p:audio>
+          </p:childTnLst>
+        </p:cTn>
+      </p:par>
+    </p:tnLst>
+  </p:timing>
 </p:sld>
 </file>
 
@@ -17069,40 +17202,6 @@
       </p:sp>
       <p:pic>
         <p:nvPicPr>
-          <p:cNvPr id="8" name="Picture Placeholder 7" descr="Digital Data">
-            <a:extLst>
-              <a:ext uri="{FF2B5EF4-FFF2-40B4-BE49-F238E27FC236}">
-                <a16:creationId xmlns:a16="http://schemas.microsoft.com/office/drawing/2014/main" id="{06D2324F-3B7B-45EF-9584-C8EADD2C8C0B}"/>
-              </a:ext>
-            </a:extLst>
-          </p:cNvPr>
-          <p:cNvPicPr>
-            <a:picLocks noGrp="1" noChangeAspect="1"/>
-          </p:cNvPicPr>
-          <p:nvPr>
-            <p:ph type="pic" sz="quarter" idx="13"/>
-          </p:nvPr>
-        </p:nvPicPr>
-        <p:blipFill rotWithShape="1">
-          <a:blip r:embed="rId2" cstate="screen">
-            <a:extLst>
-              <a:ext uri="{28A0092B-C50C-407E-A947-70E740481C1C}">
-                <a14:useLocalDpi xmlns:a14="http://schemas.microsoft.com/office/drawing/2010/main" val="0"/>
-              </a:ext>
-            </a:extLst>
-          </a:blip>
-          <a:srcRect/>
-          <a:stretch/>
-        </p:blipFill>
-        <p:spPr>
-          <a:xfrm>
-            <a:off x="5516937" y="1415242"/>
-            <a:ext cx="3448558" cy="3448558"/>
-          </a:xfrm>
-        </p:spPr>
-      </p:pic>
-      <p:pic>
-        <p:nvPicPr>
           <p:cNvPr id="10" name="Picture Placeholder 9" descr="Data Points ">
             <a:extLst>
               <a:ext uri="{FF2B5EF4-FFF2-40B4-BE49-F238E27FC236}">
@@ -17118,40 +17217,6 @@
           </p:nvPr>
         </p:nvPicPr>
         <p:blipFill rotWithShape="1">
-          <a:blip r:embed="rId3" cstate="screen">
-            <a:extLst>
-              <a:ext uri="{28A0092B-C50C-407E-A947-70E740481C1C}">
-                <a14:useLocalDpi xmlns:a14="http://schemas.microsoft.com/office/drawing/2010/main" val="0"/>
-              </a:ext>
-            </a:extLst>
-          </a:blip>
-          <a:srcRect/>
-          <a:stretch/>
-        </p:blipFill>
-        <p:spPr>
-          <a:xfrm>
-            <a:off x="9496091" y="283354"/>
-            <a:ext cx="2263776" cy="2263776"/>
-          </a:xfrm>
-        </p:spPr>
-      </p:pic>
-      <p:pic>
-        <p:nvPicPr>
-          <p:cNvPr id="12" name="Picture Placeholder 11" descr="Data Background">
-            <a:extLst>
-              <a:ext uri="{FF2B5EF4-FFF2-40B4-BE49-F238E27FC236}">
-                <a16:creationId xmlns:a16="http://schemas.microsoft.com/office/drawing/2014/main" id="{A63F39B9-0715-40B5-8ECB-9B983F99C690}"/>
-              </a:ext>
-            </a:extLst>
-          </p:cNvPr>
-          <p:cNvPicPr>
-            <a:picLocks noGrp="1" noChangeAspect="1"/>
-          </p:cNvPicPr>
-          <p:nvPr>
-            <p:ph type="pic" sz="quarter" idx="15"/>
-          </p:nvPr>
-        </p:nvPicPr>
-        <p:blipFill rotWithShape="1">
           <a:blip r:embed="rId4" cstate="screen">
             <a:extLst>
               <a:ext uri="{28A0092B-C50C-407E-A947-70E740481C1C}">
@@ -17164,8 +17229,8 @@
         </p:blipFill>
         <p:spPr>
           <a:xfrm>
-            <a:off x="9202452" y="3058733"/>
-            <a:ext cx="2936876" cy="2936876"/>
+            <a:off x="9875552" y="71598"/>
+            <a:ext cx="2263776" cy="2263776"/>
           </a:xfrm>
         </p:spPr>
       </p:pic>
@@ -17320,6 +17385,156 @@
           </a:p>
         </p:txBody>
       </p:sp>
+      <p:sp>
+        <p:nvSpPr>
+          <p:cNvPr id="16" name="TextBox 15">
+            <a:extLst>
+              <a:ext uri="{FF2B5EF4-FFF2-40B4-BE49-F238E27FC236}">
+                <a16:creationId xmlns:a16="http://schemas.microsoft.com/office/drawing/2014/main" id="{C7A6C84D-CC0C-EAA1-74CD-CA904AF53CFD}"/>
+              </a:ext>
+            </a:extLst>
+          </p:cNvPr>
+          <p:cNvSpPr txBox="1"/>
+          <p:nvPr/>
+        </p:nvSpPr>
+        <p:spPr>
+          <a:xfrm>
+            <a:off x="6215513" y="1132703"/>
+            <a:ext cx="6097604" cy="830997"/>
+          </a:xfrm>
+          <a:prstGeom prst="rect">
+            <a:avLst/>
+          </a:prstGeom>
+          <a:noFill/>
+        </p:spPr>
+        <p:txBody>
+          <a:bodyPr wrap="square">
+            <a:spAutoFit/>
+          </a:bodyPr>
+          <a:lstStyle/>
+          <a:p>
+            <a:r>
+              <a:rPr lang="en-US" sz="4800" dirty="0">
+                <a:latin typeface="+mj-lt"/>
+              </a:rPr>
+              <a:t>Tech Stack</a:t>
+            </a:r>
+            <a:endParaRPr lang="en-IN" sz="4800" dirty="0">
+              <a:latin typeface="+mj-lt"/>
+            </a:endParaRPr>
+          </a:p>
+        </p:txBody>
+      </p:sp>
+      <p:sp>
+        <p:nvSpPr>
+          <p:cNvPr id="17" name="TextBox 16">
+            <a:extLst>
+              <a:ext uri="{FF2B5EF4-FFF2-40B4-BE49-F238E27FC236}">
+                <a16:creationId xmlns:a16="http://schemas.microsoft.com/office/drawing/2014/main" id="{B71DFC19-CCFC-5059-DAF7-6315796658BC}"/>
+              </a:ext>
+            </a:extLst>
+          </p:cNvPr>
+          <p:cNvSpPr txBox="1"/>
+          <p:nvPr/>
+        </p:nvSpPr>
+        <p:spPr>
+          <a:xfrm>
+            <a:off x="6340642" y="2699187"/>
+            <a:ext cx="6155356" cy="1107996"/>
+          </a:xfrm>
+          <a:prstGeom prst="rect">
+            <a:avLst/>
+          </a:prstGeom>
+          <a:noFill/>
+        </p:spPr>
+        <p:txBody>
+          <a:bodyPr wrap="square">
+            <a:spAutoFit/>
+          </a:bodyPr>
+          <a:lstStyle/>
+          <a:p>
+            <a:pPr marL="285750" indent="-285750">
+              <a:buFont typeface="Arial" panose="020B0604020202020204" pitchFamily="34" charset="0"/>
+              <a:buChar char="•"/>
+            </a:pPr>
+            <a:r>
+              <a:rPr lang="en-US" sz="2200" dirty="0"/>
+              <a:t>Django</a:t>
+            </a:r>
+            <a:r>
+              <a:rPr lang="en-IN" sz="2200" dirty="0"/>
+              <a:t> framework </a:t>
+            </a:r>
+          </a:p>
+          <a:p>
+            <a:pPr marL="285750" indent="-285750">
+              <a:buFont typeface="Arial" panose="020B0604020202020204" pitchFamily="34" charset="0"/>
+              <a:buChar char="•"/>
+            </a:pPr>
+            <a:r>
+              <a:rPr lang="en-IN" sz="2200" dirty="0" err="1"/>
+              <a:t>DeepFace</a:t>
+            </a:r>
+            <a:r>
+              <a:rPr lang="en-IN" sz="2200" dirty="0"/>
+              <a:t> library</a:t>
+            </a:r>
+          </a:p>
+          <a:p>
+            <a:pPr marL="285750" indent="-285750">
+              <a:buFont typeface="Arial" panose="020B0604020202020204" pitchFamily="34" charset="0"/>
+              <a:buChar char="•"/>
+            </a:pPr>
+            <a:r>
+              <a:rPr lang="en-IN" sz="2200" dirty="0"/>
+              <a:t>Front End: HTML, CSS, </a:t>
+            </a:r>
+            <a:r>
+              <a:rPr lang="en-IN" sz="2200" dirty="0" err="1"/>
+              <a:t>Javascript</a:t>
+            </a:r>
+            <a:endParaRPr lang="en-US" sz="2200" dirty="0"/>
+          </a:p>
+        </p:txBody>
+      </p:sp>
+      <p:pic>
+        <p:nvPicPr>
+          <p:cNvPr id="23" name="Audio 22">
+            <a:hlinkClick r:id="" action="ppaction://media"/>
+            <a:extLst>
+              <a:ext uri="{FF2B5EF4-FFF2-40B4-BE49-F238E27FC236}">
+                <a16:creationId xmlns:a16="http://schemas.microsoft.com/office/drawing/2014/main" id="{584A5D67-8693-4F11-F120-80BD80A2E12C}"/>
+              </a:ext>
+            </a:extLst>
+          </p:cNvPr>
+          <p:cNvPicPr>
+            <a:picLocks noChangeAspect="1"/>
+          </p:cNvPicPr>
+          <p:nvPr>
+            <a:audioFile r:link="rId2"/>
+            <p:extLst>
+              <p:ext uri="{DAA4B4D4-6D71-4841-9C94-3DE7FCFB9230}">
+                <p14:media xmlns:p14="http://schemas.microsoft.com/office/powerpoint/2010/main" r:embed="rId1"/>
+              </p:ext>
+            </p:extLst>
+          </p:nvPr>
+        </p:nvPicPr>
+        <p:blipFill>
+          <a:blip r:embed="rId5"/>
+          <a:stretch>
+            <a:fillRect/>
+          </a:stretch>
+        </p:blipFill>
+        <p:spPr>
+          <a:xfrm>
+            <a:off x="11569700" y="6235700"/>
+            <a:ext cx="406400" cy="406400"/>
+          </a:xfrm>
+          <a:prstGeom prst="rect">
+            <a:avLst/>
+          </a:prstGeom>
+        </p:spPr>
+      </p:pic>
     </p:spTree>
     <p:extLst>
       <p:ext uri="{BB962C8B-B14F-4D97-AF65-F5344CB8AC3E}">
@@ -17330,6 +17545,101 @@
   <p:clrMapOvr>
     <a:masterClrMapping/>
   </p:clrMapOvr>
+  <mc:AlternateContent xmlns:mc="http://schemas.openxmlformats.org/markup-compatibility/2006" xmlns:p14="http://schemas.microsoft.com/office/powerpoint/2010/main">
+    <mc:Choice Requires="p14">
+      <p:transition spd="slow" p14:dur="2000" advTm="26653"/>
+    </mc:Choice>
+    <mc:Fallback xmlns="">
+      <p:transition spd="slow" advTm="26653"/>
+    </mc:Fallback>
+  </mc:AlternateContent>
+  <p:timing>
+    <p:tnLst>
+      <p:par>
+        <p:cTn id="1" dur="indefinite" restart="never" nodeType="tmRoot">
+          <p:childTnLst>
+            <p:seq concurrent="1" nextAc="seek">
+              <p:cTn id="2" dur="indefinite" nodeType="mainSeq">
+                <p:childTnLst>
+                  <p:par>
+                    <p:cTn id="3" fill="hold">
+                      <p:stCondLst>
+                        <p:cond delay="indefinite"/>
+                        <p:cond evt="onBegin" delay="0">
+                          <p:tn val="2"/>
+                        </p:cond>
+                      </p:stCondLst>
+                      <p:childTnLst>
+                        <p:par>
+                          <p:cTn id="4" fill="hold">
+                            <p:stCondLst>
+                              <p:cond delay="0"/>
+                            </p:stCondLst>
+                            <p:childTnLst>
+                              <p:par>
+                                <p:cTn id="5" presetID="1" presetClass="mediacall" presetSubtype="0" fill="hold" nodeType="afterEffect">
+                                  <p:stCondLst>
+                                    <p:cond delay="0"/>
+                                  </p:stCondLst>
+                                  <p:childTnLst>
+                                    <p:cmd type="call" cmd="playFrom(0.0)">
+                                      <p:cBhvr>
+                                        <p:cTn id="6" dur="1" fill="hold"/>
+                                        <p:tgtEl>
+                                          <p:spTgt spid="23"/>
+                                        </p:tgtEl>
+                                      </p:cBhvr>
+                                    </p:cmd>
+                                  </p:childTnLst>
+                                </p:cTn>
+                              </p:par>
+                            </p:childTnLst>
+                          </p:cTn>
+                        </p:par>
+                      </p:childTnLst>
+                    </p:cTn>
+                  </p:par>
+                </p:childTnLst>
+              </p:cTn>
+              <p:prevCondLst>
+                <p:cond evt="onPrev" delay="0">
+                  <p:tgtEl>
+                    <p:sldTgt/>
+                  </p:tgtEl>
+                </p:cond>
+              </p:prevCondLst>
+              <p:nextCondLst>
+                <p:cond evt="onNext" delay="0">
+                  <p:tgtEl>
+                    <p:sldTgt/>
+                  </p:tgtEl>
+                </p:cond>
+              </p:nextCondLst>
+            </p:seq>
+            <p:audio isNarration="1">
+              <p:cMediaNode vol="80000" showWhenStopped="0">
+                <p:cTn id="7" fill="hold" display="0">
+                  <p:stCondLst>
+                    <p:cond delay="indefinite"/>
+                  </p:stCondLst>
+                  <p:endCondLst>
+                    <p:cond evt="onStopAudio" delay="0">
+                      <p:tgtEl>
+                        <p:sldTgt/>
+                      </p:tgtEl>
+                    </p:cond>
+                  </p:endCondLst>
+                </p:cTn>
+                <p:tgtEl>
+                  <p:spTgt spid="23"/>
+                </p:tgtEl>
+              </p:cMediaNode>
+            </p:audio>
+          </p:childTnLst>
+        </p:cTn>
+      </p:par>
+    </p:tnLst>
+  </p:timing>
 </p:sld>
 </file>
 
@@ -17619,7 +17929,7 @@
           </p:nvPr>
         </p:nvPicPr>
         <p:blipFill rotWithShape="1">
-          <a:blip r:embed="rId2" cstate="screen">
+          <a:blip r:embed="rId4" cstate="screen">
             <a:extLst>
               <a:ext uri="{28A0092B-C50C-407E-A947-70E740481C1C}">
                 <a14:useLocalDpi xmlns:a14="http://schemas.microsoft.com/office/drawing/2010/main" val="0"/>
@@ -17653,7 +17963,7 @@
           </p:nvPr>
         </p:nvPicPr>
         <p:blipFill rotWithShape="1">
-          <a:blip r:embed="rId3" cstate="screen">
+          <a:blip r:embed="rId5" cstate="screen">
             <a:extLst>
               <a:ext uri="{28A0092B-C50C-407E-A947-70E740481C1C}">
                 <a14:useLocalDpi xmlns:a14="http://schemas.microsoft.com/office/drawing/2010/main" val="0"/>
@@ -17771,6 +18081,44 @@
           </a:p>
         </p:txBody>
       </p:sp>
+      <p:pic>
+        <p:nvPicPr>
+          <p:cNvPr id="3" name="Audio 2">
+            <a:hlinkClick r:id="" action="ppaction://media"/>
+            <a:extLst>
+              <a:ext uri="{FF2B5EF4-FFF2-40B4-BE49-F238E27FC236}">
+                <a16:creationId xmlns:a16="http://schemas.microsoft.com/office/drawing/2014/main" id="{AC65FD13-C0AB-3B71-E6D3-9B154EE2A21F}"/>
+              </a:ext>
+            </a:extLst>
+          </p:cNvPr>
+          <p:cNvPicPr>
+            <a:picLocks noChangeAspect="1"/>
+          </p:cNvPicPr>
+          <p:nvPr>
+            <a:audioFile r:link="rId2"/>
+            <p:extLst>
+              <p:ext uri="{DAA4B4D4-6D71-4841-9C94-3DE7FCFB9230}">
+                <p14:media xmlns:p14="http://schemas.microsoft.com/office/powerpoint/2010/main" r:embed="rId1"/>
+              </p:ext>
+            </p:extLst>
+          </p:nvPr>
+        </p:nvPicPr>
+        <p:blipFill>
+          <a:blip r:embed="rId6"/>
+          <a:stretch>
+            <a:fillRect/>
+          </a:stretch>
+        </p:blipFill>
+        <p:spPr>
+          <a:xfrm>
+            <a:off x="11569700" y="6235700"/>
+            <a:ext cx="406400" cy="406400"/>
+          </a:xfrm>
+          <a:prstGeom prst="rect">
+            <a:avLst/>
+          </a:prstGeom>
+        </p:spPr>
+      </p:pic>
     </p:spTree>
     <p:extLst>
       <p:ext uri="{BB962C8B-B14F-4D97-AF65-F5344CB8AC3E}">
@@ -17781,6 +18129,101 @@
   <p:clrMapOvr>
     <a:masterClrMapping/>
   </p:clrMapOvr>
+  <mc:AlternateContent xmlns:mc="http://schemas.openxmlformats.org/markup-compatibility/2006">
+    <mc:Choice xmlns:p14="http://schemas.microsoft.com/office/powerpoint/2010/main" Requires="p14">
+      <p:transition spd="slow" p14:dur="2000" advTm="5489"/>
+    </mc:Choice>
+    <mc:Fallback>
+      <p:transition spd="slow" advTm="5489"/>
+    </mc:Fallback>
+  </mc:AlternateContent>
+  <p:timing>
+    <p:tnLst>
+      <p:par>
+        <p:cTn id="1" dur="indefinite" restart="never" nodeType="tmRoot">
+          <p:childTnLst>
+            <p:seq concurrent="1" nextAc="seek">
+              <p:cTn id="2" dur="indefinite" nodeType="mainSeq">
+                <p:childTnLst>
+                  <p:par>
+                    <p:cTn id="3" fill="hold">
+                      <p:stCondLst>
+                        <p:cond delay="indefinite"/>
+                        <p:cond evt="onBegin" delay="0">
+                          <p:tn val="2"/>
+                        </p:cond>
+                      </p:stCondLst>
+                      <p:childTnLst>
+                        <p:par>
+                          <p:cTn id="4" fill="hold">
+                            <p:stCondLst>
+                              <p:cond delay="0"/>
+                            </p:stCondLst>
+                            <p:childTnLst>
+                              <p:par>
+                                <p:cTn id="5" presetID="1" presetClass="mediacall" presetSubtype="0" fill="hold" nodeType="afterEffect">
+                                  <p:stCondLst>
+                                    <p:cond delay="0"/>
+                                  </p:stCondLst>
+                                  <p:childTnLst>
+                                    <p:cmd type="call" cmd="playFrom(0.0)">
+                                      <p:cBhvr>
+                                        <p:cTn id="6" dur="1" fill="hold"/>
+                                        <p:tgtEl>
+                                          <p:spTgt spid="3"/>
+                                        </p:tgtEl>
+                                      </p:cBhvr>
+                                    </p:cmd>
+                                  </p:childTnLst>
+                                </p:cTn>
+                              </p:par>
+                            </p:childTnLst>
+                          </p:cTn>
+                        </p:par>
+                      </p:childTnLst>
+                    </p:cTn>
+                  </p:par>
+                </p:childTnLst>
+              </p:cTn>
+              <p:prevCondLst>
+                <p:cond evt="onPrev" delay="0">
+                  <p:tgtEl>
+                    <p:sldTgt/>
+                  </p:tgtEl>
+                </p:cond>
+              </p:prevCondLst>
+              <p:nextCondLst>
+                <p:cond evt="onNext" delay="0">
+                  <p:tgtEl>
+                    <p:sldTgt/>
+                  </p:tgtEl>
+                </p:cond>
+              </p:nextCondLst>
+            </p:seq>
+            <p:audio isNarration="1">
+              <p:cMediaNode vol="80000" showWhenStopped="0">
+                <p:cTn id="7" fill="hold" display="0">
+                  <p:stCondLst>
+                    <p:cond delay="indefinite"/>
+                  </p:stCondLst>
+                  <p:endCondLst>
+                    <p:cond evt="onStopAudio" delay="0">
+                      <p:tgtEl>
+                        <p:sldTgt/>
+                      </p:tgtEl>
+                    </p:cond>
+                  </p:endCondLst>
+                </p:cTn>
+                <p:tgtEl>
+                  <p:spTgt spid="3"/>
+                </p:tgtEl>
+              </p:cMediaNode>
+            </p:audio>
+          </p:childTnLst>
+        </p:cTn>
+      </p:par>
+    </p:tnLst>
+  </p:timing>
 </p:sld>
 </file>
 
@@ -18882,11 +19325,18 @@
 <file path=customXml/itemProps1.xml><?xml version="1.0" encoding="utf-8"?>
 <ds:datastoreItem xmlns:ds="http://schemas.openxmlformats.org/officeDocument/2006/customXml" ds:itemID="{50811A92-D464-4AC4-A396-BA73B10CEEAC}">
   <ds:schemaRefs>
+    <ds:schemaRef ds:uri="http://schemas.microsoft.com/sharepoint/v3"/>
+    <ds:schemaRef ds:uri="http://purl.org/dc/dcmitype/"/>
+    <ds:schemaRef ds:uri="230e9df3-be65-4c73-a93b-d1236ebd677e"/>
+    <ds:schemaRef ds:uri="http://purl.org/dc/elements/1.1/"/>
+    <ds:schemaRef ds:uri="16c05727-aa75-4e4a-9b5f-8a80a1165891"/>
+    <ds:schemaRef ds:uri="http://www.w3.org/XML/1998/namespace"/>
+    <ds:schemaRef ds:uri="http://schemas.microsoft.com/office/2006/documentManagement/types"/>
+    <ds:schemaRef ds:uri="http://schemas.openxmlformats.org/package/2006/metadata/core-properties"/>
     <ds:schemaRef ds:uri="http://schemas.microsoft.com/office/2006/metadata/properties"/>
+    <ds:schemaRef ds:uri="http://purl.org/dc/terms/"/>
     <ds:schemaRef ds:uri="http://schemas.microsoft.com/office/infopath/2007/PartnerControls"/>
-    <ds:schemaRef ds:uri="http://schemas.microsoft.com/sharepoint/v3"/>
     <ds:schemaRef ds:uri="71af3243-3dd4-4a8d-8c0d-dd76da1f02a5"/>
-    <ds:schemaRef ds:uri="230e9df3-be65-4c73-a93b-d1236ebd677e"/>
   </ds:schemaRefs>
 </ds:datastoreItem>
 </file>
